--- a/ppt 16-9/0775.为了生存.pptx
+++ b/ppt 16-9/0775.为了生存.pptx
@@ -5,7 +5,7 @@
     <p:sldMasterId id="2147483648" r:id="rId1"/>
   </p:sldMasterIdLst>
   <p:sldIdLst>
-    <p:sldId id="2030" r:id="rId2"/>
+    <p:sldId id="2036" r:id="rId2"/>
   </p:sldIdLst>
   <p:sldSz cx="12192000" cy="6858000"/>
   <p:notesSz cx="6858000" cy="9144000"/>
@@ -129,7 +129,7 @@
           <p:cNvPr id="2" name="标题 1">
             <a:extLst>
               <a:ext uri="{FF2B5EF4-FFF2-40B4-BE49-F238E27FC236}">
-                <a16:creationId xmlns:a16="http://schemas.microsoft.com/office/drawing/2014/main" id="{E9B3F715-AB17-080D-EFC7-ADD81B8D58F0}"/>
+                <a16:creationId xmlns:a16="http://schemas.microsoft.com/office/drawing/2014/main" id="{550E3B4A-F898-64CC-A635-FDB916BD0508}"/>
               </a:ext>
             </a:extLst>
           </p:cNvPr>
@@ -166,7 +166,7 @@
           <p:cNvPr id="3" name="副标题 2">
             <a:extLst>
               <a:ext uri="{FF2B5EF4-FFF2-40B4-BE49-F238E27FC236}">
-                <a16:creationId xmlns:a16="http://schemas.microsoft.com/office/drawing/2014/main" id="{2A52C29D-B018-E9D1-24D3-39FDD4A1F82C}"/>
+                <a16:creationId xmlns:a16="http://schemas.microsoft.com/office/drawing/2014/main" id="{32FE00FD-EFED-0868-D35D-151B184F5BC0}"/>
               </a:ext>
             </a:extLst>
           </p:cNvPr>
@@ -236,7 +236,7 @@
           <p:cNvPr id="4" name="日期占位符 3">
             <a:extLst>
               <a:ext uri="{FF2B5EF4-FFF2-40B4-BE49-F238E27FC236}">
-                <a16:creationId xmlns:a16="http://schemas.microsoft.com/office/drawing/2014/main" id="{3FDBAB2E-0AB0-9700-99B2-5C6BE033D63E}"/>
+                <a16:creationId xmlns:a16="http://schemas.microsoft.com/office/drawing/2014/main" id="{FD9D2380-24F2-F466-CDD1-60F47804C911}"/>
               </a:ext>
             </a:extLst>
           </p:cNvPr>
@@ -252,7 +252,7 @@
           <a:bodyPr/>
           <a:lstStyle/>
           <a:p>
-            <a:fld id="{0F555B45-CD23-4322-93ED-286D39FE87B0}" type="datetimeFigureOut">
+            <a:fld id="{4A966A7D-4863-4CD9-9FDE-79D0F6578701}" type="datetimeFigureOut">
               <a:rPr lang="zh-CN" altLang="en-US" smtClean="0"/>
               <a:t>2024/3/10</a:t>
             </a:fld>
@@ -265,7 +265,7 @@
           <p:cNvPr id="5" name="页脚占位符 4">
             <a:extLst>
               <a:ext uri="{FF2B5EF4-FFF2-40B4-BE49-F238E27FC236}">
-                <a16:creationId xmlns:a16="http://schemas.microsoft.com/office/drawing/2014/main" id="{E22A4356-EA76-55AE-57D2-0F30B1B77B18}"/>
+                <a16:creationId xmlns:a16="http://schemas.microsoft.com/office/drawing/2014/main" id="{E679D58A-B54C-1DA6-AE57-36CE49A13AA4}"/>
               </a:ext>
             </a:extLst>
           </p:cNvPr>
@@ -290,7 +290,7 @@
           <p:cNvPr id="6" name="灯片编号占位符 5">
             <a:extLst>
               <a:ext uri="{FF2B5EF4-FFF2-40B4-BE49-F238E27FC236}">
-                <a16:creationId xmlns:a16="http://schemas.microsoft.com/office/drawing/2014/main" id="{C8F135A7-F0CC-5A20-B17F-5487FAE73E90}"/>
+                <a16:creationId xmlns:a16="http://schemas.microsoft.com/office/drawing/2014/main" id="{99D92009-2A2B-984B-5D30-EBC156A7791A}"/>
               </a:ext>
             </a:extLst>
           </p:cNvPr>
@@ -306,7 +306,7 @@
           <a:bodyPr/>
           <a:lstStyle/>
           <a:p>
-            <a:fld id="{5DBA09FA-BF20-4558-9B74-18D66E5DC1AC}" type="slidenum">
+            <a:fld id="{261E062C-7FED-4803-AEFF-BAE470586979}" type="slidenum">
               <a:rPr lang="zh-CN" altLang="en-US" smtClean="0"/>
               <a:t>‹#›</a:t>
             </a:fld>
@@ -317,7 +317,7 @@
     </p:spTree>
     <p:extLst>
       <p:ext uri="{BB962C8B-B14F-4D97-AF65-F5344CB8AC3E}">
-        <p14:creationId xmlns:p14="http://schemas.microsoft.com/office/powerpoint/2010/main" val="1470310580"/>
+        <p14:creationId xmlns:p14="http://schemas.microsoft.com/office/powerpoint/2010/main" val="3051501419"/>
       </p:ext>
     </p:extLst>
   </p:cSld>
@@ -349,7 +349,7 @@
           <p:cNvPr id="2" name="标题 1">
             <a:extLst>
               <a:ext uri="{FF2B5EF4-FFF2-40B4-BE49-F238E27FC236}">
-                <a16:creationId xmlns:a16="http://schemas.microsoft.com/office/drawing/2014/main" id="{D0155197-880C-A0F0-601A-DB42660D83DD}"/>
+                <a16:creationId xmlns:a16="http://schemas.microsoft.com/office/drawing/2014/main" id="{07DE4870-00BF-CEBF-B687-58E7E0DB55CA}"/>
               </a:ext>
             </a:extLst>
           </p:cNvPr>
@@ -377,7 +377,7 @@
           <p:cNvPr id="3" name="竖排文字占位符 2">
             <a:extLst>
               <a:ext uri="{FF2B5EF4-FFF2-40B4-BE49-F238E27FC236}">
-                <a16:creationId xmlns:a16="http://schemas.microsoft.com/office/drawing/2014/main" id="{269171F3-E62D-139A-B28B-443068F5752C}"/>
+                <a16:creationId xmlns:a16="http://schemas.microsoft.com/office/drawing/2014/main" id="{8D4A0B25-529F-5D6F-98E2-1F2A240C67EC}"/>
               </a:ext>
             </a:extLst>
           </p:cNvPr>
@@ -434,7 +434,7 @@
           <p:cNvPr id="4" name="日期占位符 3">
             <a:extLst>
               <a:ext uri="{FF2B5EF4-FFF2-40B4-BE49-F238E27FC236}">
-                <a16:creationId xmlns:a16="http://schemas.microsoft.com/office/drawing/2014/main" id="{05074662-EDA0-C7FB-DD51-A60BA9D82428}"/>
+                <a16:creationId xmlns:a16="http://schemas.microsoft.com/office/drawing/2014/main" id="{6D08E487-8E75-13A4-C698-011414E28180}"/>
               </a:ext>
             </a:extLst>
           </p:cNvPr>
@@ -450,7 +450,7 @@
           <a:bodyPr/>
           <a:lstStyle/>
           <a:p>
-            <a:fld id="{0F555B45-CD23-4322-93ED-286D39FE87B0}" type="datetimeFigureOut">
+            <a:fld id="{4A966A7D-4863-4CD9-9FDE-79D0F6578701}" type="datetimeFigureOut">
               <a:rPr lang="zh-CN" altLang="en-US" smtClean="0"/>
               <a:t>2024/3/10</a:t>
             </a:fld>
@@ -463,7 +463,7 @@
           <p:cNvPr id="5" name="页脚占位符 4">
             <a:extLst>
               <a:ext uri="{FF2B5EF4-FFF2-40B4-BE49-F238E27FC236}">
-                <a16:creationId xmlns:a16="http://schemas.microsoft.com/office/drawing/2014/main" id="{D32E86B5-EFE4-1208-FB71-7E10DF32C7A9}"/>
+                <a16:creationId xmlns:a16="http://schemas.microsoft.com/office/drawing/2014/main" id="{4DD4005E-7236-62A0-3B8D-A497F59762CB}"/>
               </a:ext>
             </a:extLst>
           </p:cNvPr>
@@ -488,7 +488,7 @@
           <p:cNvPr id="6" name="灯片编号占位符 5">
             <a:extLst>
               <a:ext uri="{FF2B5EF4-FFF2-40B4-BE49-F238E27FC236}">
-                <a16:creationId xmlns:a16="http://schemas.microsoft.com/office/drawing/2014/main" id="{23056A8E-605B-5B90-B5ED-4CD2F4667877}"/>
+                <a16:creationId xmlns:a16="http://schemas.microsoft.com/office/drawing/2014/main" id="{414105D8-A76B-46DB-1BB7-E26F46EDA888}"/>
               </a:ext>
             </a:extLst>
           </p:cNvPr>
@@ -504,7 +504,7 @@
           <a:bodyPr/>
           <a:lstStyle/>
           <a:p>
-            <a:fld id="{5DBA09FA-BF20-4558-9B74-18D66E5DC1AC}" type="slidenum">
+            <a:fld id="{261E062C-7FED-4803-AEFF-BAE470586979}" type="slidenum">
               <a:rPr lang="zh-CN" altLang="en-US" smtClean="0"/>
               <a:t>‹#›</a:t>
             </a:fld>
@@ -515,7 +515,7 @@
     </p:spTree>
     <p:extLst>
       <p:ext uri="{BB962C8B-B14F-4D97-AF65-F5344CB8AC3E}">
-        <p14:creationId xmlns:p14="http://schemas.microsoft.com/office/powerpoint/2010/main" val="323503956"/>
+        <p14:creationId xmlns:p14="http://schemas.microsoft.com/office/powerpoint/2010/main" val="3998481709"/>
       </p:ext>
     </p:extLst>
   </p:cSld>
@@ -547,7 +547,7 @@
           <p:cNvPr id="2" name="竖排标题 1">
             <a:extLst>
               <a:ext uri="{FF2B5EF4-FFF2-40B4-BE49-F238E27FC236}">
-                <a16:creationId xmlns:a16="http://schemas.microsoft.com/office/drawing/2014/main" id="{F604A22D-B2D2-6A58-EA02-930B698091B8}"/>
+                <a16:creationId xmlns:a16="http://schemas.microsoft.com/office/drawing/2014/main" id="{63873BB6-F83E-71C4-F838-43E55C5B7883}"/>
               </a:ext>
             </a:extLst>
           </p:cNvPr>
@@ -580,7 +580,7 @@
           <p:cNvPr id="3" name="竖排文字占位符 2">
             <a:extLst>
               <a:ext uri="{FF2B5EF4-FFF2-40B4-BE49-F238E27FC236}">
-                <a16:creationId xmlns:a16="http://schemas.microsoft.com/office/drawing/2014/main" id="{1730AAA4-3756-500D-A0EB-94B53188991B}"/>
+                <a16:creationId xmlns:a16="http://schemas.microsoft.com/office/drawing/2014/main" id="{481FAA04-667E-2933-82F5-477D2DA995AD}"/>
               </a:ext>
             </a:extLst>
           </p:cNvPr>
@@ -642,7 +642,7 @@
           <p:cNvPr id="4" name="日期占位符 3">
             <a:extLst>
               <a:ext uri="{FF2B5EF4-FFF2-40B4-BE49-F238E27FC236}">
-                <a16:creationId xmlns:a16="http://schemas.microsoft.com/office/drawing/2014/main" id="{9FA1FF3C-6086-4A96-CA91-715B94F7EE19}"/>
+                <a16:creationId xmlns:a16="http://schemas.microsoft.com/office/drawing/2014/main" id="{A7A99A30-88F3-1703-37F9-5798C2C72254}"/>
               </a:ext>
             </a:extLst>
           </p:cNvPr>
@@ -658,7 +658,7 @@
           <a:bodyPr/>
           <a:lstStyle/>
           <a:p>
-            <a:fld id="{0F555B45-CD23-4322-93ED-286D39FE87B0}" type="datetimeFigureOut">
+            <a:fld id="{4A966A7D-4863-4CD9-9FDE-79D0F6578701}" type="datetimeFigureOut">
               <a:rPr lang="zh-CN" altLang="en-US" smtClean="0"/>
               <a:t>2024/3/10</a:t>
             </a:fld>
@@ -671,7 +671,7 @@
           <p:cNvPr id="5" name="页脚占位符 4">
             <a:extLst>
               <a:ext uri="{FF2B5EF4-FFF2-40B4-BE49-F238E27FC236}">
-                <a16:creationId xmlns:a16="http://schemas.microsoft.com/office/drawing/2014/main" id="{23AC3B5B-2913-7241-0AC6-C43B89AC54AF}"/>
+                <a16:creationId xmlns:a16="http://schemas.microsoft.com/office/drawing/2014/main" id="{FC4B42E7-EFEE-63B6-B989-2504CA439E87}"/>
               </a:ext>
             </a:extLst>
           </p:cNvPr>
@@ -696,7 +696,7 @@
           <p:cNvPr id="6" name="灯片编号占位符 5">
             <a:extLst>
               <a:ext uri="{FF2B5EF4-FFF2-40B4-BE49-F238E27FC236}">
-                <a16:creationId xmlns:a16="http://schemas.microsoft.com/office/drawing/2014/main" id="{C05C3D5B-1FAA-C4DC-5674-187CD02AE7A1}"/>
+                <a16:creationId xmlns:a16="http://schemas.microsoft.com/office/drawing/2014/main" id="{0BFA5E36-7169-3710-EBF4-AA31140D7A1D}"/>
               </a:ext>
             </a:extLst>
           </p:cNvPr>
@@ -712,7 +712,7 @@
           <a:bodyPr/>
           <a:lstStyle/>
           <a:p>
-            <a:fld id="{5DBA09FA-BF20-4558-9B74-18D66E5DC1AC}" type="slidenum">
+            <a:fld id="{261E062C-7FED-4803-AEFF-BAE470586979}" type="slidenum">
               <a:rPr lang="zh-CN" altLang="en-US" smtClean="0"/>
               <a:t>‹#›</a:t>
             </a:fld>
@@ -723,7 +723,7 @@
     </p:spTree>
     <p:extLst>
       <p:ext uri="{BB962C8B-B14F-4D97-AF65-F5344CB8AC3E}">
-        <p14:creationId xmlns:p14="http://schemas.microsoft.com/office/powerpoint/2010/main" val="2220044610"/>
+        <p14:creationId xmlns:p14="http://schemas.microsoft.com/office/powerpoint/2010/main" val="32765011"/>
       </p:ext>
     </p:extLst>
   </p:cSld>
@@ -755,7 +755,7 @@
           <p:cNvPr id="2" name="标题 1">
             <a:extLst>
               <a:ext uri="{FF2B5EF4-FFF2-40B4-BE49-F238E27FC236}">
-                <a16:creationId xmlns:a16="http://schemas.microsoft.com/office/drawing/2014/main" id="{ABFC3FF5-410F-8ABF-3A07-AA1A10E6C484}"/>
+                <a16:creationId xmlns:a16="http://schemas.microsoft.com/office/drawing/2014/main" id="{A7B72A88-59F1-0E38-3FD1-8EC03DE94A4E}"/>
               </a:ext>
             </a:extLst>
           </p:cNvPr>
@@ -783,7 +783,7 @@
           <p:cNvPr id="3" name="内容占位符 2">
             <a:extLst>
               <a:ext uri="{FF2B5EF4-FFF2-40B4-BE49-F238E27FC236}">
-                <a16:creationId xmlns:a16="http://schemas.microsoft.com/office/drawing/2014/main" id="{1BAA6F04-8F44-3637-680F-B962187FBFCF}"/>
+                <a16:creationId xmlns:a16="http://schemas.microsoft.com/office/drawing/2014/main" id="{3AB6114A-C8D6-28B5-2D6F-6FD31E4BCA33}"/>
               </a:ext>
             </a:extLst>
           </p:cNvPr>
@@ -840,7 +840,7 @@
           <p:cNvPr id="4" name="日期占位符 3">
             <a:extLst>
               <a:ext uri="{FF2B5EF4-FFF2-40B4-BE49-F238E27FC236}">
-                <a16:creationId xmlns:a16="http://schemas.microsoft.com/office/drawing/2014/main" id="{8123FD9E-2731-A79A-9D5D-6B876462AB5D}"/>
+                <a16:creationId xmlns:a16="http://schemas.microsoft.com/office/drawing/2014/main" id="{EA061B2A-4BC2-8781-4D57-89783A6E4A2A}"/>
               </a:ext>
             </a:extLst>
           </p:cNvPr>
@@ -856,7 +856,7 @@
           <a:bodyPr/>
           <a:lstStyle/>
           <a:p>
-            <a:fld id="{0F555B45-CD23-4322-93ED-286D39FE87B0}" type="datetimeFigureOut">
+            <a:fld id="{4A966A7D-4863-4CD9-9FDE-79D0F6578701}" type="datetimeFigureOut">
               <a:rPr lang="zh-CN" altLang="en-US" smtClean="0"/>
               <a:t>2024/3/10</a:t>
             </a:fld>
@@ -869,7 +869,7 @@
           <p:cNvPr id="5" name="页脚占位符 4">
             <a:extLst>
               <a:ext uri="{FF2B5EF4-FFF2-40B4-BE49-F238E27FC236}">
-                <a16:creationId xmlns:a16="http://schemas.microsoft.com/office/drawing/2014/main" id="{82FFAA1A-5A1A-08DF-0C64-F76DE87A1F37}"/>
+                <a16:creationId xmlns:a16="http://schemas.microsoft.com/office/drawing/2014/main" id="{2D78C83B-4AF3-788F-8A01-CC7C36CFB713}"/>
               </a:ext>
             </a:extLst>
           </p:cNvPr>
@@ -894,7 +894,7 @@
           <p:cNvPr id="6" name="灯片编号占位符 5">
             <a:extLst>
               <a:ext uri="{FF2B5EF4-FFF2-40B4-BE49-F238E27FC236}">
-                <a16:creationId xmlns:a16="http://schemas.microsoft.com/office/drawing/2014/main" id="{B0437B0A-CE04-8175-B615-B5BDC83D0AB2}"/>
+                <a16:creationId xmlns:a16="http://schemas.microsoft.com/office/drawing/2014/main" id="{000EB272-F8A6-A346-0166-9F81C378E78A}"/>
               </a:ext>
             </a:extLst>
           </p:cNvPr>
@@ -910,7 +910,7 @@
           <a:bodyPr/>
           <a:lstStyle/>
           <a:p>
-            <a:fld id="{5DBA09FA-BF20-4558-9B74-18D66E5DC1AC}" type="slidenum">
+            <a:fld id="{261E062C-7FED-4803-AEFF-BAE470586979}" type="slidenum">
               <a:rPr lang="zh-CN" altLang="en-US" smtClean="0"/>
               <a:t>‹#›</a:t>
             </a:fld>
@@ -921,7 +921,7 @@
     </p:spTree>
     <p:extLst>
       <p:ext uri="{BB962C8B-B14F-4D97-AF65-F5344CB8AC3E}">
-        <p14:creationId xmlns:p14="http://schemas.microsoft.com/office/powerpoint/2010/main" val="3016816643"/>
+        <p14:creationId xmlns:p14="http://schemas.microsoft.com/office/powerpoint/2010/main" val="1216218228"/>
       </p:ext>
     </p:extLst>
   </p:cSld>
@@ -953,7 +953,7 @@
           <p:cNvPr id="2" name="标题 1">
             <a:extLst>
               <a:ext uri="{FF2B5EF4-FFF2-40B4-BE49-F238E27FC236}">
-                <a16:creationId xmlns:a16="http://schemas.microsoft.com/office/drawing/2014/main" id="{6F317940-6DB0-A7B1-61B3-C736342A7C1C}"/>
+                <a16:creationId xmlns:a16="http://schemas.microsoft.com/office/drawing/2014/main" id="{4C841176-37DD-3593-20E0-79B65B75EB54}"/>
               </a:ext>
             </a:extLst>
           </p:cNvPr>
@@ -990,7 +990,7 @@
           <p:cNvPr id="3" name="文本占位符 2">
             <a:extLst>
               <a:ext uri="{FF2B5EF4-FFF2-40B4-BE49-F238E27FC236}">
-                <a16:creationId xmlns:a16="http://schemas.microsoft.com/office/drawing/2014/main" id="{CD1C966E-1DAE-2DAB-9061-8D6C11F2A053}"/>
+                <a16:creationId xmlns:a16="http://schemas.microsoft.com/office/drawing/2014/main" id="{FCCA04CE-C4AB-4DDD-E927-E8C16E87B5CC}"/>
               </a:ext>
             </a:extLst>
           </p:cNvPr>
@@ -1115,7 +1115,7 @@
           <p:cNvPr id="4" name="日期占位符 3">
             <a:extLst>
               <a:ext uri="{FF2B5EF4-FFF2-40B4-BE49-F238E27FC236}">
-                <a16:creationId xmlns:a16="http://schemas.microsoft.com/office/drawing/2014/main" id="{5229B705-A7C0-C099-4F7C-B3A8E2724E60}"/>
+                <a16:creationId xmlns:a16="http://schemas.microsoft.com/office/drawing/2014/main" id="{28AB569F-FDA2-3E72-CD11-B61146CC58A9}"/>
               </a:ext>
             </a:extLst>
           </p:cNvPr>
@@ -1131,7 +1131,7 @@
           <a:bodyPr/>
           <a:lstStyle/>
           <a:p>
-            <a:fld id="{0F555B45-CD23-4322-93ED-286D39FE87B0}" type="datetimeFigureOut">
+            <a:fld id="{4A966A7D-4863-4CD9-9FDE-79D0F6578701}" type="datetimeFigureOut">
               <a:rPr lang="zh-CN" altLang="en-US" smtClean="0"/>
               <a:t>2024/3/10</a:t>
             </a:fld>
@@ -1144,7 +1144,7 @@
           <p:cNvPr id="5" name="页脚占位符 4">
             <a:extLst>
               <a:ext uri="{FF2B5EF4-FFF2-40B4-BE49-F238E27FC236}">
-                <a16:creationId xmlns:a16="http://schemas.microsoft.com/office/drawing/2014/main" id="{9390E184-08EE-26A1-65E6-78DE2038C26C}"/>
+                <a16:creationId xmlns:a16="http://schemas.microsoft.com/office/drawing/2014/main" id="{BE044EF9-6129-7DA2-E095-A4D38F524B8B}"/>
               </a:ext>
             </a:extLst>
           </p:cNvPr>
@@ -1169,7 +1169,7 @@
           <p:cNvPr id="6" name="灯片编号占位符 5">
             <a:extLst>
               <a:ext uri="{FF2B5EF4-FFF2-40B4-BE49-F238E27FC236}">
-                <a16:creationId xmlns:a16="http://schemas.microsoft.com/office/drawing/2014/main" id="{134A7E25-ECD0-A22B-868F-F048B3731120}"/>
+                <a16:creationId xmlns:a16="http://schemas.microsoft.com/office/drawing/2014/main" id="{3E01F4B2-2E78-31D3-C5E8-372AB017E5ED}"/>
               </a:ext>
             </a:extLst>
           </p:cNvPr>
@@ -1185,7 +1185,7 @@
           <a:bodyPr/>
           <a:lstStyle/>
           <a:p>
-            <a:fld id="{5DBA09FA-BF20-4558-9B74-18D66E5DC1AC}" type="slidenum">
+            <a:fld id="{261E062C-7FED-4803-AEFF-BAE470586979}" type="slidenum">
               <a:rPr lang="zh-CN" altLang="en-US" smtClean="0"/>
               <a:t>‹#›</a:t>
             </a:fld>
@@ -1196,7 +1196,7 @@
     </p:spTree>
     <p:extLst>
       <p:ext uri="{BB962C8B-B14F-4D97-AF65-F5344CB8AC3E}">
-        <p14:creationId xmlns:p14="http://schemas.microsoft.com/office/powerpoint/2010/main" val="1323901984"/>
+        <p14:creationId xmlns:p14="http://schemas.microsoft.com/office/powerpoint/2010/main" val="3743150688"/>
       </p:ext>
     </p:extLst>
   </p:cSld>
@@ -1228,7 +1228,7 @@
           <p:cNvPr id="2" name="标题 1">
             <a:extLst>
               <a:ext uri="{FF2B5EF4-FFF2-40B4-BE49-F238E27FC236}">
-                <a16:creationId xmlns:a16="http://schemas.microsoft.com/office/drawing/2014/main" id="{6B7F2A24-765B-2073-5A5F-C7A5F1780E6F}"/>
+                <a16:creationId xmlns:a16="http://schemas.microsoft.com/office/drawing/2014/main" id="{D2637795-3F3E-8C9F-F19E-1052E689DE32}"/>
               </a:ext>
             </a:extLst>
           </p:cNvPr>
@@ -1256,7 +1256,7 @@
           <p:cNvPr id="3" name="内容占位符 2">
             <a:extLst>
               <a:ext uri="{FF2B5EF4-FFF2-40B4-BE49-F238E27FC236}">
-                <a16:creationId xmlns:a16="http://schemas.microsoft.com/office/drawing/2014/main" id="{0DFA4B18-0B59-6190-DB9F-9EA45708C5DD}"/>
+                <a16:creationId xmlns:a16="http://schemas.microsoft.com/office/drawing/2014/main" id="{55EF38C2-D06F-DF0A-47E6-F2B05F81D605}"/>
               </a:ext>
             </a:extLst>
           </p:cNvPr>
@@ -1318,7 +1318,7 @@
           <p:cNvPr id="4" name="内容占位符 3">
             <a:extLst>
               <a:ext uri="{FF2B5EF4-FFF2-40B4-BE49-F238E27FC236}">
-                <a16:creationId xmlns:a16="http://schemas.microsoft.com/office/drawing/2014/main" id="{7B7E2BB0-6786-E12F-F227-C97BB4BD40BA}"/>
+                <a16:creationId xmlns:a16="http://schemas.microsoft.com/office/drawing/2014/main" id="{2C5A42C3-DD5D-B414-FD48-A4B63A87EDF9}"/>
               </a:ext>
             </a:extLst>
           </p:cNvPr>
@@ -1380,7 +1380,7 @@
           <p:cNvPr id="5" name="日期占位符 4">
             <a:extLst>
               <a:ext uri="{FF2B5EF4-FFF2-40B4-BE49-F238E27FC236}">
-                <a16:creationId xmlns:a16="http://schemas.microsoft.com/office/drawing/2014/main" id="{11BD7427-8CAD-7951-76A3-DDE710AE419B}"/>
+                <a16:creationId xmlns:a16="http://schemas.microsoft.com/office/drawing/2014/main" id="{9CCF3C06-BC3A-5F5A-201B-DE8CC83FD372}"/>
               </a:ext>
             </a:extLst>
           </p:cNvPr>
@@ -1396,7 +1396,7 @@
           <a:bodyPr/>
           <a:lstStyle/>
           <a:p>
-            <a:fld id="{0F555B45-CD23-4322-93ED-286D39FE87B0}" type="datetimeFigureOut">
+            <a:fld id="{4A966A7D-4863-4CD9-9FDE-79D0F6578701}" type="datetimeFigureOut">
               <a:rPr lang="zh-CN" altLang="en-US" smtClean="0"/>
               <a:t>2024/3/10</a:t>
             </a:fld>
@@ -1409,7 +1409,7 @@
           <p:cNvPr id="6" name="页脚占位符 5">
             <a:extLst>
               <a:ext uri="{FF2B5EF4-FFF2-40B4-BE49-F238E27FC236}">
-                <a16:creationId xmlns:a16="http://schemas.microsoft.com/office/drawing/2014/main" id="{B5FA1BE9-E683-D553-ECD1-94248D952149}"/>
+                <a16:creationId xmlns:a16="http://schemas.microsoft.com/office/drawing/2014/main" id="{1A3C5F44-1D0D-6955-049A-29A37AF1A784}"/>
               </a:ext>
             </a:extLst>
           </p:cNvPr>
@@ -1434,7 +1434,7 @@
           <p:cNvPr id="7" name="灯片编号占位符 6">
             <a:extLst>
               <a:ext uri="{FF2B5EF4-FFF2-40B4-BE49-F238E27FC236}">
-                <a16:creationId xmlns:a16="http://schemas.microsoft.com/office/drawing/2014/main" id="{E6CE0FB6-29A3-A267-2CC9-D3D1D3A03729}"/>
+                <a16:creationId xmlns:a16="http://schemas.microsoft.com/office/drawing/2014/main" id="{737F2B81-90CF-5912-027C-3FAFDF087429}"/>
               </a:ext>
             </a:extLst>
           </p:cNvPr>
@@ -1450,7 +1450,7 @@
           <a:bodyPr/>
           <a:lstStyle/>
           <a:p>
-            <a:fld id="{5DBA09FA-BF20-4558-9B74-18D66E5DC1AC}" type="slidenum">
+            <a:fld id="{261E062C-7FED-4803-AEFF-BAE470586979}" type="slidenum">
               <a:rPr lang="zh-CN" altLang="en-US" smtClean="0"/>
               <a:t>‹#›</a:t>
             </a:fld>
@@ -1461,7 +1461,7 @@
     </p:spTree>
     <p:extLst>
       <p:ext uri="{BB962C8B-B14F-4D97-AF65-F5344CB8AC3E}">
-        <p14:creationId xmlns:p14="http://schemas.microsoft.com/office/powerpoint/2010/main" val="192127828"/>
+        <p14:creationId xmlns:p14="http://schemas.microsoft.com/office/powerpoint/2010/main" val="3374626039"/>
       </p:ext>
     </p:extLst>
   </p:cSld>
@@ -1493,7 +1493,7 @@
           <p:cNvPr id="2" name="标题 1">
             <a:extLst>
               <a:ext uri="{FF2B5EF4-FFF2-40B4-BE49-F238E27FC236}">
-                <a16:creationId xmlns:a16="http://schemas.microsoft.com/office/drawing/2014/main" id="{D6800313-91A3-6733-69E8-C11F43ED5FD1}"/>
+                <a16:creationId xmlns:a16="http://schemas.microsoft.com/office/drawing/2014/main" id="{861BEF16-81E5-AFBC-8321-BA06064E399B}"/>
               </a:ext>
             </a:extLst>
           </p:cNvPr>
@@ -1526,7 +1526,7 @@
           <p:cNvPr id="3" name="文本占位符 2">
             <a:extLst>
               <a:ext uri="{FF2B5EF4-FFF2-40B4-BE49-F238E27FC236}">
-                <a16:creationId xmlns:a16="http://schemas.microsoft.com/office/drawing/2014/main" id="{459C1482-5606-BCBA-1CF1-A0281B7E7F98}"/>
+                <a16:creationId xmlns:a16="http://schemas.microsoft.com/office/drawing/2014/main" id="{30451CB5-78C0-EC4A-2CFC-AD4AF0C1563D}"/>
               </a:ext>
             </a:extLst>
           </p:cNvPr>
@@ -1597,7 +1597,7 @@
           <p:cNvPr id="4" name="内容占位符 3">
             <a:extLst>
               <a:ext uri="{FF2B5EF4-FFF2-40B4-BE49-F238E27FC236}">
-                <a16:creationId xmlns:a16="http://schemas.microsoft.com/office/drawing/2014/main" id="{190A13D3-22EF-75BF-B825-CE3C6EE655D1}"/>
+                <a16:creationId xmlns:a16="http://schemas.microsoft.com/office/drawing/2014/main" id="{A9DB8B08-EA5B-8836-2823-0BDB41AB8F54}"/>
               </a:ext>
             </a:extLst>
           </p:cNvPr>
@@ -1659,7 +1659,7 @@
           <p:cNvPr id="5" name="文本占位符 4">
             <a:extLst>
               <a:ext uri="{FF2B5EF4-FFF2-40B4-BE49-F238E27FC236}">
-                <a16:creationId xmlns:a16="http://schemas.microsoft.com/office/drawing/2014/main" id="{73DFF2E1-85CD-B281-049B-C3F9F9B68848}"/>
+                <a16:creationId xmlns:a16="http://schemas.microsoft.com/office/drawing/2014/main" id="{A159B595-BE25-3EBA-F10E-C045E7AB4296}"/>
               </a:ext>
             </a:extLst>
           </p:cNvPr>
@@ -1730,7 +1730,7 @@
           <p:cNvPr id="6" name="内容占位符 5">
             <a:extLst>
               <a:ext uri="{FF2B5EF4-FFF2-40B4-BE49-F238E27FC236}">
-                <a16:creationId xmlns:a16="http://schemas.microsoft.com/office/drawing/2014/main" id="{53059F85-1EF5-BC88-A251-E362191CAB3E}"/>
+                <a16:creationId xmlns:a16="http://schemas.microsoft.com/office/drawing/2014/main" id="{33F1EF29-1002-8BA9-4352-2B7C8242F5D4}"/>
               </a:ext>
             </a:extLst>
           </p:cNvPr>
@@ -1792,7 +1792,7 @@
           <p:cNvPr id="7" name="日期占位符 6">
             <a:extLst>
               <a:ext uri="{FF2B5EF4-FFF2-40B4-BE49-F238E27FC236}">
-                <a16:creationId xmlns:a16="http://schemas.microsoft.com/office/drawing/2014/main" id="{02FDBCBD-8394-4034-E03D-0CEE196175AF}"/>
+                <a16:creationId xmlns:a16="http://schemas.microsoft.com/office/drawing/2014/main" id="{D0382A20-5436-A660-22BC-6472F11EFAA4}"/>
               </a:ext>
             </a:extLst>
           </p:cNvPr>
@@ -1808,7 +1808,7 @@
           <a:bodyPr/>
           <a:lstStyle/>
           <a:p>
-            <a:fld id="{0F555B45-CD23-4322-93ED-286D39FE87B0}" type="datetimeFigureOut">
+            <a:fld id="{4A966A7D-4863-4CD9-9FDE-79D0F6578701}" type="datetimeFigureOut">
               <a:rPr lang="zh-CN" altLang="en-US" smtClean="0"/>
               <a:t>2024/3/10</a:t>
             </a:fld>
@@ -1821,7 +1821,7 @@
           <p:cNvPr id="8" name="页脚占位符 7">
             <a:extLst>
               <a:ext uri="{FF2B5EF4-FFF2-40B4-BE49-F238E27FC236}">
-                <a16:creationId xmlns:a16="http://schemas.microsoft.com/office/drawing/2014/main" id="{4719DC04-E73D-67E0-BC6C-F0E07280598B}"/>
+                <a16:creationId xmlns:a16="http://schemas.microsoft.com/office/drawing/2014/main" id="{DF214814-CC1D-BDE4-3DF0-DA67AF562093}"/>
               </a:ext>
             </a:extLst>
           </p:cNvPr>
@@ -1846,7 +1846,7 @@
           <p:cNvPr id="9" name="灯片编号占位符 8">
             <a:extLst>
               <a:ext uri="{FF2B5EF4-FFF2-40B4-BE49-F238E27FC236}">
-                <a16:creationId xmlns:a16="http://schemas.microsoft.com/office/drawing/2014/main" id="{04784C3F-65A3-C4D2-3213-F99E6473522B}"/>
+                <a16:creationId xmlns:a16="http://schemas.microsoft.com/office/drawing/2014/main" id="{BAFA53D6-FD60-398C-ABD4-4B78F9FFA96E}"/>
               </a:ext>
             </a:extLst>
           </p:cNvPr>
@@ -1862,7 +1862,7 @@
           <a:bodyPr/>
           <a:lstStyle/>
           <a:p>
-            <a:fld id="{5DBA09FA-BF20-4558-9B74-18D66E5DC1AC}" type="slidenum">
+            <a:fld id="{261E062C-7FED-4803-AEFF-BAE470586979}" type="slidenum">
               <a:rPr lang="zh-CN" altLang="en-US" smtClean="0"/>
               <a:t>‹#›</a:t>
             </a:fld>
@@ -1873,7 +1873,7 @@
     </p:spTree>
     <p:extLst>
       <p:ext uri="{BB962C8B-B14F-4D97-AF65-F5344CB8AC3E}">
-        <p14:creationId xmlns:p14="http://schemas.microsoft.com/office/powerpoint/2010/main" val="2920167759"/>
+        <p14:creationId xmlns:p14="http://schemas.microsoft.com/office/powerpoint/2010/main" val="1981216054"/>
       </p:ext>
     </p:extLst>
   </p:cSld>
@@ -1905,7 +1905,7 @@
           <p:cNvPr id="2" name="标题 1">
             <a:extLst>
               <a:ext uri="{FF2B5EF4-FFF2-40B4-BE49-F238E27FC236}">
-                <a16:creationId xmlns:a16="http://schemas.microsoft.com/office/drawing/2014/main" id="{37B3AF98-F177-2B62-9C20-54A233553359}"/>
+                <a16:creationId xmlns:a16="http://schemas.microsoft.com/office/drawing/2014/main" id="{0BDC3CA8-A434-A037-D1F3-74089F7B65E6}"/>
               </a:ext>
             </a:extLst>
           </p:cNvPr>
@@ -1933,7 +1933,7 @@
           <p:cNvPr id="3" name="日期占位符 2">
             <a:extLst>
               <a:ext uri="{FF2B5EF4-FFF2-40B4-BE49-F238E27FC236}">
-                <a16:creationId xmlns:a16="http://schemas.microsoft.com/office/drawing/2014/main" id="{16781314-059A-E957-E364-EAC91774F3AE}"/>
+                <a16:creationId xmlns:a16="http://schemas.microsoft.com/office/drawing/2014/main" id="{AB3FBE46-1AC6-881F-A756-057E2E11BD7B}"/>
               </a:ext>
             </a:extLst>
           </p:cNvPr>
@@ -1949,7 +1949,7 @@
           <a:bodyPr/>
           <a:lstStyle/>
           <a:p>
-            <a:fld id="{0F555B45-CD23-4322-93ED-286D39FE87B0}" type="datetimeFigureOut">
+            <a:fld id="{4A966A7D-4863-4CD9-9FDE-79D0F6578701}" type="datetimeFigureOut">
               <a:rPr lang="zh-CN" altLang="en-US" smtClean="0"/>
               <a:t>2024/3/10</a:t>
             </a:fld>
@@ -1962,7 +1962,7 @@
           <p:cNvPr id="4" name="页脚占位符 3">
             <a:extLst>
               <a:ext uri="{FF2B5EF4-FFF2-40B4-BE49-F238E27FC236}">
-                <a16:creationId xmlns:a16="http://schemas.microsoft.com/office/drawing/2014/main" id="{07C2456E-B355-AAA9-E87A-4918A9DC92DC}"/>
+                <a16:creationId xmlns:a16="http://schemas.microsoft.com/office/drawing/2014/main" id="{D74758E8-8F1C-E61C-888F-E4079EBD1894}"/>
               </a:ext>
             </a:extLst>
           </p:cNvPr>
@@ -1987,7 +1987,7 @@
           <p:cNvPr id="5" name="灯片编号占位符 4">
             <a:extLst>
               <a:ext uri="{FF2B5EF4-FFF2-40B4-BE49-F238E27FC236}">
-                <a16:creationId xmlns:a16="http://schemas.microsoft.com/office/drawing/2014/main" id="{222A190A-69BB-235F-8C68-B8F366950332}"/>
+                <a16:creationId xmlns:a16="http://schemas.microsoft.com/office/drawing/2014/main" id="{3538F9A8-CEEC-1666-4810-6D01F43CD1B2}"/>
               </a:ext>
             </a:extLst>
           </p:cNvPr>
@@ -2003,7 +2003,7 @@
           <a:bodyPr/>
           <a:lstStyle/>
           <a:p>
-            <a:fld id="{5DBA09FA-BF20-4558-9B74-18D66E5DC1AC}" type="slidenum">
+            <a:fld id="{261E062C-7FED-4803-AEFF-BAE470586979}" type="slidenum">
               <a:rPr lang="zh-CN" altLang="en-US" smtClean="0"/>
               <a:t>‹#›</a:t>
             </a:fld>
@@ -2014,7 +2014,7 @@
     </p:spTree>
     <p:extLst>
       <p:ext uri="{BB962C8B-B14F-4D97-AF65-F5344CB8AC3E}">
-        <p14:creationId xmlns:p14="http://schemas.microsoft.com/office/powerpoint/2010/main" val="1931310195"/>
+        <p14:creationId xmlns:p14="http://schemas.microsoft.com/office/powerpoint/2010/main" val="3451268554"/>
       </p:ext>
     </p:extLst>
   </p:cSld>
@@ -2046,7 +2046,7 @@
           <p:cNvPr id="2" name="日期占位符 1">
             <a:extLst>
               <a:ext uri="{FF2B5EF4-FFF2-40B4-BE49-F238E27FC236}">
-                <a16:creationId xmlns:a16="http://schemas.microsoft.com/office/drawing/2014/main" id="{B2EA355B-2550-65FA-7288-FAC7B03111DC}"/>
+                <a16:creationId xmlns:a16="http://schemas.microsoft.com/office/drawing/2014/main" id="{E52E9624-316A-E17B-AC3F-F464DBBBB1DE}"/>
               </a:ext>
             </a:extLst>
           </p:cNvPr>
@@ -2062,7 +2062,7 @@
           <a:bodyPr/>
           <a:lstStyle/>
           <a:p>
-            <a:fld id="{0F555B45-CD23-4322-93ED-286D39FE87B0}" type="datetimeFigureOut">
+            <a:fld id="{4A966A7D-4863-4CD9-9FDE-79D0F6578701}" type="datetimeFigureOut">
               <a:rPr lang="zh-CN" altLang="en-US" smtClean="0"/>
               <a:t>2024/3/10</a:t>
             </a:fld>
@@ -2075,7 +2075,7 @@
           <p:cNvPr id="3" name="页脚占位符 2">
             <a:extLst>
               <a:ext uri="{FF2B5EF4-FFF2-40B4-BE49-F238E27FC236}">
-                <a16:creationId xmlns:a16="http://schemas.microsoft.com/office/drawing/2014/main" id="{B0CE1470-77D2-E83D-8F50-0D48164FFAFE}"/>
+                <a16:creationId xmlns:a16="http://schemas.microsoft.com/office/drawing/2014/main" id="{096A6012-2B84-5644-3338-79FC97923AC8}"/>
               </a:ext>
             </a:extLst>
           </p:cNvPr>
@@ -2100,7 +2100,7 @@
           <p:cNvPr id="4" name="灯片编号占位符 3">
             <a:extLst>
               <a:ext uri="{FF2B5EF4-FFF2-40B4-BE49-F238E27FC236}">
-                <a16:creationId xmlns:a16="http://schemas.microsoft.com/office/drawing/2014/main" id="{C9028156-7A05-AFD5-1FD9-535E29286DEE}"/>
+                <a16:creationId xmlns:a16="http://schemas.microsoft.com/office/drawing/2014/main" id="{47E67E72-4730-CF1D-4B69-584D6706FF6B}"/>
               </a:ext>
             </a:extLst>
           </p:cNvPr>
@@ -2116,7 +2116,7 @@
           <a:bodyPr/>
           <a:lstStyle/>
           <a:p>
-            <a:fld id="{5DBA09FA-BF20-4558-9B74-18D66E5DC1AC}" type="slidenum">
+            <a:fld id="{261E062C-7FED-4803-AEFF-BAE470586979}" type="slidenum">
               <a:rPr lang="zh-CN" altLang="en-US" smtClean="0"/>
               <a:t>‹#›</a:t>
             </a:fld>
@@ -2127,7 +2127,7 @@
     </p:spTree>
     <p:extLst>
       <p:ext uri="{BB962C8B-B14F-4D97-AF65-F5344CB8AC3E}">
-        <p14:creationId xmlns:p14="http://schemas.microsoft.com/office/powerpoint/2010/main" val="3120119137"/>
+        <p14:creationId xmlns:p14="http://schemas.microsoft.com/office/powerpoint/2010/main" val="3143789818"/>
       </p:ext>
     </p:extLst>
   </p:cSld>
@@ -2159,7 +2159,7 @@
           <p:cNvPr id="2" name="标题 1">
             <a:extLst>
               <a:ext uri="{FF2B5EF4-FFF2-40B4-BE49-F238E27FC236}">
-                <a16:creationId xmlns:a16="http://schemas.microsoft.com/office/drawing/2014/main" id="{E717411A-DACF-8C0E-79FD-6133AC5FB550}"/>
+                <a16:creationId xmlns:a16="http://schemas.microsoft.com/office/drawing/2014/main" id="{431CFBD9-C9F7-E5B3-370C-CBE081A40D92}"/>
               </a:ext>
             </a:extLst>
           </p:cNvPr>
@@ -2196,7 +2196,7 @@
           <p:cNvPr id="3" name="内容占位符 2">
             <a:extLst>
               <a:ext uri="{FF2B5EF4-FFF2-40B4-BE49-F238E27FC236}">
-                <a16:creationId xmlns:a16="http://schemas.microsoft.com/office/drawing/2014/main" id="{842EA79A-FA59-39AC-A970-F22FA4473BE1}"/>
+                <a16:creationId xmlns:a16="http://schemas.microsoft.com/office/drawing/2014/main" id="{6FE78FF1-6F49-7CBB-728B-16B451E159CC}"/>
               </a:ext>
             </a:extLst>
           </p:cNvPr>
@@ -2286,7 +2286,7 @@
           <p:cNvPr id="4" name="文本占位符 3">
             <a:extLst>
               <a:ext uri="{FF2B5EF4-FFF2-40B4-BE49-F238E27FC236}">
-                <a16:creationId xmlns:a16="http://schemas.microsoft.com/office/drawing/2014/main" id="{0AD90FF5-C828-FAD4-B681-07AC76888EB4}"/>
+                <a16:creationId xmlns:a16="http://schemas.microsoft.com/office/drawing/2014/main" id="{94E28E5B-7351-CD55-3CD0-BA33DC2970B1}"/>
               </a:ext>
             </a:extLst>
           </p:cNvPr>
@@ -2357,7 +2357,7 @@
           <p:cNvPr id="5" name="日期占位符 4">
             <a:extLst>
               <a:ext uri="{FF2B5EF4-FFF2-40B4-BE49-F238E27FC236}">
-                <a16:creationId xmlns:a16="http://schemas.microsoft.com/office/drawing/2014/main" id="{3585A4B3-BCF5-C75A-13DA-8F850E77A373}"/>
+                <a16:creationId xmlns:a16="http://schemas.microsoft.com/office/drawing/2014/main" id="{3D626277-81AA-8D91-C973-1ED8B43C566E}"/>
               </a:ext>
             </a:extLst>
           </p:cNvPr>
@@ -2373,7 +2373,7 @@
           <a:bodyPr/>
           <a:lstStyle/>
           <a:p>
-            <a:fld id="{0F555B45-CD23-4322-93ED-286D39FE87B0}" type="datetimeFigureOut">
+            <a:fld id="{4A966A7D-4863-4CD9-9FDE-79D0F6578701}" type="datetimeFigureOut">
               <a:rPr lang="zh-CN" altLang="en-US" smtClean="0"/>
               <a:t>2024/3/10</a:t>
             </a:fld>
@@ -2386,7 +2386,7 @@
           <p:cNvPr id="6" name="页脚占位符 5">
             <a:extLst>
               <a:ext uri="{FF2B5EF4-FFF2-40B4-BE49-F238E27FC236}">
-                <a16:creationId xmlns:a16="http://schemas.microsoft.com/office/drawing/2014/main" id="{FA1DF0C1-221B-7744-5FED-743A96603A50}"/>
+                <a16:creationId xmlns:a16="http://schemas.microsoft.com/office/drawing/2014/main" id="{C4080209-0D5F-0701-1AFA-37EDA902680B}"/>
               </a:ext>
             </a:extLst>
           </p:cNvPr>
@@ -2411,7 +2411,7 @@
           <p:cNvPr id="7" name="灯片编号占位符 6">
             <a:extLst>
               <a:ext uri="{FF2B5EF4-FFF2-40B4-BE49-F238E27FC236}">
-                <a16:creationId xmlns:a16="http://schemas.microsoft.com/office/drawing/2014/main" id="{1BB30A04-54D2-86ED-E3C4-964C8DFC425E}"/>
+                <a16:creationId xmlns:a16="http://schemas.microsoft.com/office/drawing/2014/main" id="{6BE680EF-5D95-E5FB-4B71-A0D6305F1588}"/>
               </a:ext>
             </a:extLst>
           </p:cNvPr>
@@ -2427,7 +2427,7 @@
           <a:bodyPr/>
           <a:lstStyle/>
           <a:p>
-            <a:fld id="{5DBA09FA-BF20-4558-9B74-18D66E5DC1AC}" type="slidenum">
+            <a:fld id="{261E062C-7FED-4803-AEFF-BAE470586979}" type="slidenum">
               <a:rPr lang="zh-CN" altLang="en-US" smtClean="0"/>
               <a:t>‹#›</a:t>
             </a:fld>
@@ -2438,7 +2438,7 @@
     </p:spTree>
     <p:extLst>
       <p:ext uri="{BB962C8B-B14F-4D97-AF65-F5344CB8AC3E}">
-        <p14:creationId xmlns:p14="http://schemas.microsoft.com/office/powerpoint/2010/main" val="3950850865"/>
+        <p14:creationId xmlns:p14="http://schemas.microsoft.com/office/powerpoint/2010/main" val="820679386"/>
       </p:ext>
     </p:extLst>
   </p:cSld>
@@ -2470,7 +2470,7 @@
           <p:cNvPr id="2" name="标题 1">
             <a:extLst>
               <a:ext uri="{FF2B5EF4-FFF2-40B4-BE49-F238E27FC236}">
-                <a16:creationId xmlns:a16="http://schemas.microsoft.com/office/drawing/2014/main" id="{BBD20A5B-D649-831A-CAEE-94F43D1CD822}"/>
+                <a16:creationId xmlns:a16="http://schemas.microsoft.com/office/drawing/2014/main" id="{BFCBC258-0C0A-96B9-6BBE-8621C97EA850}"/>
               </a:ext>
             </a:extLst>
           </p:cNvPr>
@@ -2507,7 +2507,7 @@
           <p:cNvPr id="3" name="图片占位符 2">
             <a:extLst>
               <a:ext uri="{FF2B5EF4-FFF2-40B4-BE49-F238E27FC236}">
-                <a16:creationId xmlns:a16="http://schemas.microsoft.com/office/drawing/2014/main" id="{F6862681-20E2-ED4D-177B-C72F2DD4CDD7}"/>
+                <a16:creationId xmlns:a16="http://schemas.microsoft.com/office/drawing/2014/main" id="{A7979F7B-F4C1-4DDF-F4DB-9B92E55B200E}"/>
               </a:ext>
             </a:extLst>
           </p:cNvPr>
@@ -2574,7 +2574,7 @@
           <p:cNvPr id="4" name="文本占位符 3">
             <a:extLst>
               <a:ext uri="{FF2B5EF4-FFF2-40B4-BE49-F238E27FC236}">
-                <a16:creationId xmlns:a16="http://schemas.microsoft.com/office/drawing/2014/main" id="{04A92804-0A6F-9969-45AF-C96DBEFB41F2}"/>
+                <a16:creationId xmlns:a16="http://schemas.microsoft.com/office/drawing/2014/main" id="{0E50DD1A-2078-619D-4C3E-B9210B27B118}"/>
               </a:ext>
             </a:extLst>
           </p:cNvPr>
@@ -2645,7 +2645,7 @@
           <p:cNvPr id="5" name="日期占位符 4">
             <a:extLst>
               <a:ext uri="{FF2B5EF4-FFF2-40B4-BE49-F238E27FC236}">
-                <a16:creationId xmlns:a16="http://schemas.microsoft.com/office/drawing/2014/main" id="{4C307BB9-C66B-18E7-51CD-2152BB90561D}"/>
+                <a16:creationId xmlns:a16="http://schemas.microsoft.com/office/drawing/2014/main" id="{D7663C35-7B4D-4518-B140-384178944EA1}"/>
               </a:ext>
             </a:extLst>
           </p:cNvPr>
@@ -2661,7 +2661,7 @@
           <a:bodyPr/>
           <a:lstStyle/>
           <a:p>
-            <a:fld id="{0F555B45-CD23-4322-93ED-286D39FE87B0}" type="datetimeFigureOut">
+            <a:fld id="{4A966A7D-4863-4CD9-9FDE-79D0F6578701}" type="datetimeFigureOut">
               <a:rPr lang="zh-CN" altLang="en-US" smtClean="0"/>
               <a:t>2024/3/10</a:t>
             </a:fld>
@@ -2674,7 +2674,7 @@
           <p:cNvPr id="6" name="页脚占位符 5">
             <a:extLst>
               <a:ext uri="{FF2B5EF4-FFF2-40B4-BE49-F238E27FC236}">
-                <a16:creationId xmlns:a16="http://schemas.microsoft.com/office/drawing/2014/main" id="{D9E9C77D-C8F6-FFD4-3FD7-83AD582A93BD}"/>
+                <a16:creationId xmlns:a16="http://schemas.microsoft.com/office/drawing/2014/main" id="{FCDEAC62-D248-9F4B-AD6E-27CB24F7E767}"/>
               </a:ext>
             </a:extLst>
           </p:cNvPr>
@@ -2699,7 +2699,7 @@
           <p:cNvPr id="7" name="灯片编号占位符 6">
             <a:extLst>
               <a:ext uri="{FF2B5EF4-FFF2-40B4-BE49-F238E27FC236}">
-                <a16:creationId xmlns:a16="http://schemas.microsoft.com/office/drawing/2014/main" id="{F7A37CA8-7025-24BC-3D39-ECDF44ECED1A}"/>
+                <a16:creationId xmlns:a16="http://schemas.microsoft.com/office/drawing/2014/main" id="{181162E1-1180-91AC-D076-90188793F136}"/>
               </a:ext>
             </a:extLst>
           </p:cNvPr>
@@ -2715,7 +2715,7 @@
           <a:bodyPr/>
           <a:lstStyle/>
           <a:p>
-            <a:fld id="{5DBA09FA-BF20-4558-9B74-18D66E5DC1AC}" type="slidenum">
+            <a:fld id="{261E062C-7FED-4803-AEFF-BAE470586979}" type="slidenum">
               <a:rPr lang="zh-CN" altLang="en-US" smtClean="0"/>
               <a:t>‹#›</a:t>
             </a:fld>
@@ -2726,7 +2726,7 @@
     </p:spTree>
     <p:extLst>
       <p:ext uri="{BB962C8B-B14F-4D97-AF65-F5344CB8AC3E}">
-        <p14:creationId xmlns:p14="http://schemas.microsoft.com/office/powerpoint/2010/main" val="506506059"/>
+        <p14:creationId xmlns:p14="http://schemas.microsoft.com/office/powerpoint/2010/main" val="4246587370"/>
       </p:ext>
     </p:extLst>
   </p:cSld>
@@ -2763,7 +2763,7 @@
           <p:cNvPr id="2" name="标题占位符 1">
             <a:extLst>
               <a:ext uri="{FF2B5EF4-FFF2-40B4-BE49-F238E27FC236}">
-                <a16:creationId xmlns:a16="http://schemas.microsoft.com/office/drawing/2014/main" id="{88AC56C8-A8CA-B155-8962-F7DB040339AC}"/>
+                <a16:creationId xmlns:a16="http://schemas.microsoft.com/office/drawing/2014/main" id="{65C09F64-3676-6353-062D-79E886B78561}"/>
               </a:ext>
             </a:extLst>
           </p:cNvPr>
@@ -2801,7 +2801,7 @@
           <p:cNvPr id="3" name="文本占位符 2">
             <a:extLst>
               <a:ext uri="{FF2B5EF4-FFF2-40B4-BE49-F238E27FC236}">
-                <a16:creationId xmlns:a16="http://schemas.microsoft.com/office/drawing/2014/main" id="{322E187F-FAC0-EC6C-6B4A-37780A757C78}"/>
+                <a16:creationId xmlns:a16="http://schemas.microsoft.com/office/drawing/2014/main" id="{2D91A8F8-BFD3-53CC-0985-F1B1C810CBE9}"/>
               </a:ext>
             </a:extLst>
           </p:cNvPr>
@@ -2868,7 +2868,7 @@
           <p:cNvPr id="4" name="日期占位符 3">
             <a:extLst>
               <a:ext uri="{FF2B5EF4-FFF2-40B4-BE49-F238E27FC236}">
-                <a16:creationId xmlns:a16="http://schemas.microsoft.com/office/drawing/2014/main" id="{1700DE06-3FC5-E986-D05E-5B73C4F29FBD}"/>
+                <a16:creationId xmlns:a16="http://schemas.microsoft.com/office/drawing/2014/main" id="{1B78ED04-C243-9648-60BD-67274117ABB2}"/>
               </a:ext>
             </a:extLst>
           </p:cNvPr>
@@ -2902,7 +2902,7 @@
             </a:lvl1pPr>
           </a:lstStyle>
           <a:p>
-            <a:fld id="{0F555B45-CD23-4322-93ED-286D39FE87B0}" type="datetimeFigureOut">
+            <a:fld id="{4A966A7D-4863-4CD9-9FDE-79D0F6578701}" type="datetimeFigureOut">
               <a:rPr lang="zh-CN" altLang="en-US" smtClean="0"/>
               <a:t>2024/3/10</a:t>
             </a:fld>
@@ -2915,7 +2915,7 @@
           <p:cNvPr id="5" name="页脚占位符 4">
             <a:extLst>
               <a:ext uri="{FF2B5EF4-FFF2-40B4-BE49-F238E27FC236}">
-                <a16:creationId xmlns:a16="http://schemas.microsoft.com/office/drawing/2014/main" id="{39CF7519-BD86-F561-C3D2-67525374D614}"/>
+                <a16:creationId xmlns:a16="http://schemas.microsoft.com/office/drawing/2014/main" id="{02BF3380-08E0-B9D7-139A-3FD0A699EE1B}"/>
               </a:ext>
             </a:extLst>
           </p:cNvPr>
@@ -2958,7 +2958,7 @@
           <p:cNvPr id="6" name="灯片编号占位符 5">
             <a:extLst>
               <a:ext uri="{FF2B5EF4-FFF2-40B4-BE49-F238E27FC236}">
-                <a16:creationId xmlns:a16="http://schemas.microsoft.com/office/drawing/2014/main" id="{1EB9B3E1-BDB9-38B5-DC6A-AA8035AE6BDB}"/>
+                <a16:creationId xmlns:a16="http://schemas.microsoft.com/office/drawing/2014/main" id="{4BB5536A-631E-2EBD-5B4C-EE18F95609CD}"/>
               </a:ext>
             </a:extLst>
           </p:cNvPr>
@@ -2992,7 +2992,7 @@
             </a:lvl1pPr>
           </a:lstStyle>
           <a:p>
-            <a:fld id="{5DBA09FA-BF20-4558-9B74-18D66E5DC1AC}" type="slidenum">
+            <a:fld id="{261E062C-7FED-4803-AEFF-BAE470586979}" type="slidenum">
               <a:rPr lang="zh-CN" altLang="en-US" smtClean="0"/>
               <a:t>‹#›</a:t>
             </a:fld>
@@ -3003,7 +3003,7 @@
     </p:spTree>
     <p:extLst>
       <p:ext uri="{BB962C8B-B14F-4D97-AF65-F5344CB8AC3E}">
-        <p14:creationId xmlns:p14="http://schemas.microsoft.com/office/powerpoint/2010/main" val="118620765"/>
+        <p14:creationId xmlns:p14="http://schemas.microsoft.com/office/powerpoint/2010/main" val="3647866944"/>
       </p:ext>
     </p:extLst>
   </p:cSld>
@@ -3323,7 +3323,7 @@
       </p:grpSpPr>
       <p:pic>
         <p:nvPicPr>
-          <p:cNvPr id="793602" name="Picture 2" descr="774"/>
+          <p:cNvPr id="794626" name="Picture 2" descr="775"/>
           <p:cNvPicPr>
             <a:picLocks noChangeAspect="1" noChangeArrowheads="1"/>
           </p:cNvPicPr>
@@ -3344,8 +3344,8 @@
         </p:blipFill>
         <p:spPr bwMode="auto">
           <a:xfrm>
-            <a:off x="1524000" y="0"/>
-            <a:ext cx="9144000" cy="6858000"/>
+            <a:off x="1543050" y="14288"/>
+            <a:ext cx="9124950" cy="6843712"/>
           </a:xfrm>
           <a:prstGeom prst="rect">
             <a:avLst/>
@@ -3375,158 +3375,11 @@
           </a:extLst>
         </p:spPr>
       </p:pic>
-      <p:pic>
-        <p:nvPicPr>
-          <p:cNvPr id="794627" name="Picture 3" descr="774-2"/>
-          <p:cNvPicPr>
-            <a:picLocks noChangeAspect="1" noChangeArrowheads="1"/>
-          </p:cNvPicPr>
-          <p:nvPr/>
-        </p:nvPicPr>
-        <p:blipFill>
-          <a:blip r:embed="rId3">
-            <a:extLst>
-              <a:ext uri="{28A0092B-C50C-407E-A947-70E740481C1C}">
-                <a14:useLocalDpi xmlns:a14="http://schemas.microsoft.com/office/drawing/2010/main" val="0"/>
-              </a:ext>
-            </a:extLst>
-          </a:blip>
-          <a:srcRect/>
-          <a:stretch>
-            <a:fillRect/>
-          </a:stretch>
-        </p:blipFill>
-        <p:spPr bwMode="auto">
-          <a:xfrm>
-            <a:off x="1524000" y="0"/>
-            <a:ext cx="9144000" cy="6858000"/>
-          </a:xfrm>
-          <a:prstGeom prst="rect">
-            <a:avLst/>
-          </a:prstGeom>
-          <a:noFill/>
-          <a:ln>
-            <a:noFill/>
-          </a:ln>
-          <a:effectLst/>
-          <a:extLst>
-            <a:ext uri="{909E8E84-426E-40DD-AFC4-6F175D3DCCD1}">
-              <a14:hiddenFill xmlns:a14="http://schemas.microsoft.com/office/drawing/2010/main">
-                <a:solidFill>
-                  <a:srgbClr val="FFFFFF"/>
-                </a:solidFill>
-              </a14:hiddenFill>
-            </a:ext>
-            <a:ext uri="{91240B29-F687-4F45-9708-019B960494DF}">
-              <a14:hiddenLine xmlns:a14="http://schemas.microsoft.com/office/drawing/2010/main" w="9525">
-                <a:solidFill>
-                  <a:srgbClr val="000000"/>
-                </a:solidFill>
-                <a:miter lim="800000"/>
-                <a:headEnd/>
-                <a:tailEnd/>
-              </a14:hiddenLine>
-            </a:ext>
-            <a:ext uri="{AF507438-7753-43E0-B8FC-AC1667EBCBE1}">
-              <a14:hiddenEffects xmlns:a14="http://schemas.microsoft.com/office/drawing/2010/main">
-                <a:effectLst>
-                  <a:outerShdw dist="35921" dir="2700000" algn="ctr" rotWithShape="0">
-                    <a:srgbClr val="808080"/>
-                  </a:outerShdw>
-                </a:effectLst>
-              </a14:hiddenEffects>
-            </a:ext>
-          </a:extLst>
-        </p:spPr>
-      </p:pic>
     </p:spTree>
   </p:cSld>
   <p:clrMapOvr>
     <a:masterClrMapping/>
   </p:clrMapOvr>
-  <p:timing>
-    <p:tnLst>
-      <p:par>
-        <p:cTn id="1" dur="indefinite" restart="never" nodeType="tmRoot">
-          <p:childTnLst>
-            <p:seq concurrent="1" nextAc="seek">
-              <p:cTn id="2" dur="indefinite" nodeType="mainSeq">
-                <p:childTnLst>
-                  <p:par>
-                    <p:cTn id="3" fill="hold" nodeType="clickPar">
-                      <p:stCondLst>
-                        <p:cond delay="indefinite"/>
-                      </p:stCondLst>
-                      <p:childTnLst>
-                        <p:par>
-                          <p:cTn id="4" fill="hold" nodeType="withGroup">
-                            <p:stCondLst>
-                              <p:cond delay="0"/>
-                            </p:stCondLst>
-                            <p:childTnLst>
-                              <p:par>
-                                <p:cTn id="5" presetID="10" presetClass="entr" presetSubtype="0" fill="hold" nodeType="clickEffect">
-                                  <p:stCondLst>
-                                    <p:cond delay="0"/>
-                                  </p:stCondLst>
-                                  <p:childTnLst>
-                                    <p:set>
-                                      <p:cBhvr>
-                                        <p:cTn id="6" dur="1" fill="hold">
-                                          <p:stCondLst>
-                                            <p:cond delay="0"/>
-                                          </p:stCondLst>
-                                        </p:cTn>
-                                        <p:tgtEl>
-                                          <p:spTgt spid="794627"/>
-                                        </p:tgtEl>
-                                        <p:attrNameLst>
-                                          <p:attrName>style.visibility</p:attrName>
-                                        </p:attrNameLst>
-                                      </p:cBhvr>
-                                      <p:to>
-                                        <p:strVal val="visible"/>
-                                      </p:to>
-                                    </p:set>
-                                    <p:animEffect transition="in" filter="fade">
-                                      <p:cBhvr>
-                                        <p:cTn id="7" dur="500"/>
-                                        <p:tgtEl>
-                                          <p:spTgt spid="794627"/>
-                                        </p:tgtEl>
-                                      </p:cBhvr>
-                                    </p:animEffect>
-                                  </p:childTnLst>
-                                </p:cTn>
-                              </p:par>
-                            </p:childTnLst>
-                          </p:cTn>
-                        </p:par>
-                      </p:childTnLst>
-                    </p:cTn>
-                  </p:par>
-                </p:childTnLst>
-              </p:cTn>
-              <p:prevCondLst>
-                <p:cond evt="onPrev" delay="0">
-                  <p:tgtEl>
-                    <p:sldTgt/>
-                  </p:tgtEl>
-                </p:cond>
-              </p:prevCondLst>
-              <p:nextCondLst>
-                <p:cond evt="onNext" delay="0">
-                  <p:tgtEl>
-                    <p:sldTgt/>
-                  </p:tgtEl>
-                </p:cond>
-              </p:nextCondLst>
-            </p:seq>
-          </p:childTnLst>
-        </p:cTn>
-      </p:par>
-    </p:tnLst>
-  </p:timing>
 </p:sld>
 </file>
 
